--- a/report/report 2.1.pptx
+++ b/report/report 2.1.pptx
@@ -14829,16 +14829,10 @@
               <a:rPr lang="ko-KR" altLang="en-US" sz="900" b="1" dirty="0" smtClean="0">
                 <a:latin typeface="나눔스퀘어"/>
               </a:rPr>
-              <a:t>이전 </a:t>
-            </a:r>
-            <a:r>
-              <a:rPr lang="ko-KR" altLang="en-US" sz="900" b="1" smtClean="0">
-                <a:latin typeface="나눔스퀘어"/>
-              </a:rPr>
-              <a:t>데이터는 누락되어 제외</a:t>
-            </a:r>
-            <a:r>
-              <a:rPr lang="en-US" altLang="ko-KR" sz="900" b="1" smtClean="0">
+              <a:t>이전 데이터는 누락되어 제외</a:t>
+            </a:r>
+            <a:r>
+              <a:rPr lang="en-US" altLang="ko-KR" sz="900" b="1" dirty="0" smtClean="0">
                 <a:latin typeface="나눔스퀘어"/>
               </a:rPr>
               <a:t>)</a:t>
